--- a/try_rnaseq_analysis/etc/rnaseq_flow.pptx
+++ b/try_rnaseq_analysis/etc/rnaseq_flow.pptx
@@ -3088,9 +3088,12 @@
 <p:sldMaster xmlns:a="http://schemas.openxmlformats.org/drawingml/2006/main" xmlns:r="http://schemas.openxmlformats.org/officeDocument/2006/relationships" xmlns:p="http://schemas.openxmlformats.org/presentationml/2006/main">
   <p:cSld>
     <p:bg>
-      <p:bgRef idx="1001">
-        <a:schemeClr val="bg1"/>
-      </p:bgRef>
+      <p:bgPr>
+        <a:solidFill>
+          <a:schemeClr val="bg1"/>
+        </a:solidFill>
+        <a:effectLst/>
+      </p:bgPr>
     </p:bg>
     <p:spTree>
       <p:nvGrpSpPr>
@@ -3675,6 +3678,52 @@
       </p:grpSpPr>
       <p:sp>
         <p:nvSpPr>
+          <p:cNvPr id="4" name="正方形/長方形 3"/>
+          <p:cNvSpPr/>
+          <p:nvPr/>
+        </p:nvSpPr>
+        <p:spPr>
+          <a:xfrm>
+            <a:off x="0" y="1"/>
+            <a:ext cx="9601200" cy="12801600"/>
+          </a:xfrm>
+          <a:prstGeom prst="rect">
+            <a:avLst/>
+          </a:prstGeom>
+          <a:solidFill>
+            <a:schemeClr val="bg1"/>
+          </a:solidFill>
+          <a:ln>
+            <a:noFill/>
+          </a:ln>
+        </p:spPr>
+        <p:style>
+          <a:lnRef idx="2">
+            <a:schemeClr val="accent1">
+              <a:shade val="50000"/>
+            </a:schemeClr>
+          </a:lnRef>
+          <a:fillRef idx="1">
+            <a:schemeClr val="accent1"/>
+          </a:fillRef>
+          <a:effectRef idx="0">
+            <a:schemeClr val="accent1"/>
+          </a:effectRef>
+          <a:fontRef idx="minor">
+            <a:schemeClr val="lt1"/>
+          </a:fontRef>
+        </p:style>
+        <p:txBody>
+          <a:bodyPr rtlCol="0" anchor="ctr"/>
+          <a:lstStyle/>
+          <a:p>
+            <a:pPr algn="ctr"/>
+            <a:endParaRPr kumimoji="1" lang="ja-JP" altLang="en-US"/>
+          </a:p>
+        </p:txBody>
+      </p:sp>
+      <p:sp>
+        <p:nvSpPr>
           <p:cNvPr id="7" name="角丸四角形 6"/>
           <p:cNvSpPr/>
           <p:nvPr/>
@@ -10833,6 +10882,10 @@
           <a:prstGeom prst="rect">
             <a:avLst/>
           </a:prstGeom>
+          <a:noFill/>
+          <a:ln>
+            <a:noFill/>
+          </a:ln>
         </p:spPr>
       </p:pic>
     </p:spTree>
